--- a/slides/15-09-2025.pptx
+++ b/slides/15-09-2025.pptx
@@ -247,7 +247,7 @@
           <a:p>
             <a:fld id="{E5A1F2B0-F57E-D64D-98CC-5DB3212FB1BC}" type="datetimeFigureOut">
               <a:rPr lang="en-FR" smtClean="0"/>
-              <a:t>14/09/2025</a:t>
+              <a:t>15/09/2025</a:t>
             </a:fld>
             <a:endParaRPr lang="en-FR"/>
           </a:p>
@@ -840,10 +840,6 @@
           <a:bodyPr/>
           <a:lstStyle/>
           <a:p>
-            <a:fld id="{59EA2C21-184E-C845-BEFF-B763309ADD47}" type="datetime1">
-              <a:rPr lang="fr-FR" smtClean="0"/>
-              <a:t>15/09/2025</a:t>
-            </a:fld>
             <a:endParaRPr lang="en-FR"/>
           </a:p>
         </p:txBody>
@@ -1064,10 +1060,6 @@
           <a:bodyPr/>
           <a:lstStyle/>
           <a:p>
-            <a:fld id="{09DE63F3-3846-D446-B6CA-C60CEB084EA5}" type="datetime1">
-              <a:rPr lang="fr-FR" smtClean="0"/>
-              <a:t>15/09/2025</a:t>
-            </a:fld>
             <a:endParaRPr lang="en-FR"/>
           </a:p>
         </p:txBody>
@@ -1282,10 +1274,6 @@
           <a:bodyPr/>
           <a:lstStyle/>
           <a:p>
-            <a:fld id="{E44E22E4-511A-AA47-80DE-528019C037FC}" type="datetime1">
-              <a:rPr lang="fr-FR" smtClean="0"/>
-              <a:t>15/09/2025</a:t>
-            </a:fld>
             <a:endParaRPr lang="en-FR"/>
           </a:p>
         </p:txBody>
@@ -1490,10 +1478,6 @@
           <a:bodyPr/>
           <a:lstStyle/>
           <a:p>
-            <a:fld id="{55406FC9-9E3A-654D-8FB8-9A44F698F4B8}" type="datetime1">
-              <a:rPr lang="fr-FR" smtClean="0"/>
-              <a:t>15/09/2025</a:t>
-            </a:fld>
             <a:endParaRPr lang="en-FR"/>
           </a:p>
         </p:txBody>
@@ -1776,10 +1760,6 @@
           <a:bodyPr/>
           <a:lstStyle/>
           <a:p>
-            <a:fld id="{7B2108E0-D0C4-BD4C-B706-D62364079172}" type="datetime1">
-              <a:rPr lang="fr-FR" smtClean="0"/>
-              <a:t>15/09/2025</a:t>
-            </a:fld>
             <a:endParaRPr lang="en-FR"/>
           </a:p>
         </p:txBody>
@@ -2068,10 +2048,6 @@
           <a:bodyPr/>
           <a:lstStyle/>
           <a:p>
-            <a:fld id="{47C0BEA5-5034-124E-A013-6C6B7844766F}" type="datetime1">
-              <a:rPr lang="fr-FR" smtClean="0"/>
-              <a:t>15/09/2025</a:t>
-            </a:fld>
             <a:endParaRPr lang="en-FR"/>
           </a:p>
         </p:txBody>
@@ -2491,10 +2467,6 @@
           <a:bodyPr/>
           <a:lstStyle/>
           <a:p>
-            <a:fld id="{6BD3AB2B-3C59-944E-BBEA-30AA007230CC}" type="datetime1">
-              <a:rPr lang="fr-FR" smtClean="0"/>
-              <a:t>15/09/2025</a:t>
-            </a:fld>
             <a:endParaRPr lang="en-FR"/>
           </a:p>
         </p:txBody>
@@ -2641,10 +2613,6 @@
           <a:bodyPr/>
           <a:lstStyle/>
           <a:p>
-            <a:fld id="{D5CCF908-6A54-C540-8C74-0174467B54F1}" type="datetime1">
-              <a:rPr lang="fr-FR" smtClean="0"/>
-              <a:t>15/09/2025</a:t>
-            </a:fld>
             <a:endParaRPr lang="en-FR"/>
           </a:p>
         </p:txBody>
@@ -2762,10 +2730,6 @@
           <a:bodyPr/>
           <a:lstStyle/>
           <a:p>
-            <a:fld id="{5185BF5A-F80B-FE47-96E3-E417C84FDDAA}" type="datetime1">
-              <a:rPr lang="fr-FR" smtClean="0"/>
-              <a:t>15/09/2025</a:t>
-            </a:fld>
             <a:endParaRPr lang="en-FR"/>
           </a:p>
         </p:txBody>
@@ -3083,10 +3047,6 @@
           <a:bodyPr/>
           <a:lstStyle/>
           <a:p>
-            <a:fld id="{13ED1442-AA44-0A49-A05A-228ADDF986AC}" type="datetime1">
-              <a:rPr lang="fr-FR" smtClean="0"/>
-              <a:t>15/09/2025</a:t>
-            </a:fld>
             <a:endParaRPr lang="en-FR"/>
           </a:p>
         </p:txBody>
@@ -3380,10 +3340,6 @@
           <a:bodyPr/>
           <a:lstStyle/>
           <a:p>
-            <a:fld id="{579EE115-5731-BA4C-8E43-909A0C9FECDC}" type="datetime1">
-              <a:rPr lang="fr-FR" smtClean="0"/>
-              <a:t>15/09/2025</a:t>
-            </a:fld>
             <a:endParaRPr lang="en-FR"/>
           </a:p>
         </p:txBody>
@@ -6431,8 +6387,8 @@
           </a:p>
         </p:txBody>
       </p:sp>
-      <mc:AlternateContent xmlns:mc="http://schemas.openxmlformats.org/markup-compatibility/2006">
-        <mc:Choice xmlns:p14="http://schemas.microsoft.com/office/powerpoint/2010/main" Requires="p14">
+      <mc:AlternateContent xmlns:mc="http://schemas.openxmlformats.org/markup-compatibility/2006" xmlns:p14="http://schemas.microsoft.com/office/powerpoint/2010/main">
+        <mc:Choice Requires="p14">
           <p:contentPart p14:bwMode="auto" r:id="rId4">
             <p14:nvContentPartPr>
               <p14:cNvPr id="32" name="Ink 31">
@@ -6451,7 +6407,7 @@
             </p14:xfrm>
           </p:contentPart>
         </mc:Choice>
-        <mc:Fallback>
+        <mc:Fallback xmlns="">
           <p:pic>
             <p:nvPicPr>
               <p:cNvPr id="32" name="Ink 31">
@@ -13462,8 +13418,8 @@
             </p:sp>
           </p:grpSp>
         </p:grpSp>
-        <mc:AlternateContent xmlns:mc="http://schemas.openxmlformats.org/markup-compatibility/2006">
-          <mc:Choice xmlns:a14="http://schemas.microsoft.com/office/drawing/2010/main" Requires="a14">
+        <mc:AlternateContent xmlns:mc="http://schemas.openxmlformats.org/markup-compatibility/2006" xmlns:a14="http://schemas.microsoft.com/office/drawing/2010/main">
+          <mc:Choice Requires="a14">
             <p:sp>
               <p:nvSpPr>
                 <p:cNvPr id="397" name="TextBox 396">
@@ -13492,6 +13448,7 @@
                 </a:bodyPr>
                 <a:lstStyle/>
                 <a:p>
+                  <a:pPr/>
                   <a14:m>
                     <m:oMathPara xmlns:m="http://schemas.openxmlformats.org/officeDocument/2006/math">
                       <m:oMathParaPr>
@@ -13527,7 +13484,7 @@
               </p:txBody>
             </p:sp>
           </mc:Choice>
-          <mc:Fallback>
+          <mc:Fallback xmlns="">
             <p:sp>
               <p:nvSpPr>
                 <p:cNvPr id="397" name="TextBox 396">
@@ -13572,8 +13529,8 @@
             </p:sp>
           </mc:Fallback>
         </mc:AlternateContent>
-        <mc:AlternateContent xmlns:mc="http://schemas.openxmlformats.org/markup-compatibility/2006">
-          <mc:Choice xmlns:a14="http://schemas.microsoft.com/office/drawing/2010/main" Requires="a14">
+        <mc:AlternateContent xmlns:mc="http://schemas.openxmlformats.org/markup-compatibility/2006" xmlns:a14="http://schemas.microsoft.com/office/drawing/2010/main">
+          <mc:Choice Requires="a14">
             <p:sp>
               <p:nvSpPr>
                 <p:cNvPr id="398" name="TextBox 397">
@@ -13602,6 +13559,7 @@
                 </a:bodyPr>
                 <a:lstStyle/>
                 <a:p>
+                  <a:pPr/>
                   <a14:m>
                     <m:oMathPara xmlns:m="http://schemas.openxmlformats.org/officeDocument/2006/math">
                       <m:oMathParaPr>
@@ -13637,7 +13595,7 @@
               </p:txBody>
             </p:sp>
           </mc:Choice>
-          <mc:Fallback>
+          <mc:Fallback xmlns="">
             <p:sp>
               <p:nvSpPr>
                 <p:cNvPr id="398" name="TextBox 397">
@@ -13682,8 +13640,8 @@
             </p:sp>
           </mc:Fallback>
         </mc:AlternateContent>
-        <mc:AlternateContent xmlns:mc="http://schemas.openxmlformats.org/markup-compatibility/2006">
-          <mc:Choice xmlns:a14="http://schemas.microsoft.com/office/drawing/2010/main" Requires="a14">
+        <mc:AlternateContent xmlns:mc="http://schemas.openxmlformats.org/markup-compatibility/2006" xmlns:a14="http://schemas.microsoft.com/office/drawing/2010/main">
+          <mc:Choice Requires="a14">
             <p:sp>
               <p:nvSpPr>
                 <p:cNvPr id="399" name="TextBox 398">
@@ -13712,6 +13670,7 @@
                 </a:bodyPr>
                 <a:lstStyle/>
                 <a:p>
+                  <a:pPr/>
                   <a14:m>
                     <m:oMathPara xmlns:m="http://schemas.openxmlformats.org/officeDocument/2006/math">
                       <m:oMathParaPr>
@@ -13747,7 +13706,7 @@
               </p:txBody>
             </p:sp>
           </mc:Choice>
-          <mc:Fallback>
+          <mc:Fallback xmlns="">
             <p:sp>
               <p:nvSpPr>
                 <p:cNvPr id="399" name="TextBox 398">
@@ -13792,8 +13751,8 @@
             </p:sp>
           </mc:Fallback>
         </mc:AlternateContent>
-        <mc:AlternateContent xmlns:mc="http://schemas.openxmlformats.org/markup-compatibility/2006">
-          <mc:Choice xmlns:a14="http://schemas.microsoft.com/office/drawing/2010/main" Requires="a14">
+        <mc:AlternateContent xmlns:mc="http://schemas.openxmlformats.org/markup-compatibility/2006" xmlns:a14="http://schemas.microsoft.com/office/drawing/2010/main">
+          <mc:Choice Requires="a14">
             <p:sp>
               <p:nvSpPr>
                 <p:cNvPr id="400" name="TextBox 399">
@@ -13822,6 +13781,7 @@
                 </a:bodyPr>
                 <a:lstStyle/>
                 <a:p>
+                  <a:pPr/>
                   <a14:m>
                     <m:oMathPara xmlns:m="http://schemas.openxmlformats.org/officeDocument/2006/math">
                       <m:oMathParaPr>
@@ -13871,7 +13831,7 @@
               </p:txBody>
             </p:sp>
           </mc:Choice>
-          <mc:Fallback>
+          <mc:Fallback xmlns="">
             <p:sp>
               <p:nvSpPr>
                 <p:cNvPr id="400" name="TextBox 399">
@@ -13916,8 +13876,8 @@
             </p:sp>
           </mc:Fallback>
         </mc:AlternateContent>
-        <mc:AlternateContent xmlns:mc="http://schemas.openxmlformats.org/markup-compatibility/2006">
-          <mc:Choice xmlns:a14="http://schemas.microsoft.com/office/drawing/2010/main" Requires="a14">
+        <mc:AlternateContent xmlns:mc="http://schemas.openxmlformats.org/markup-compatibility/2006" xmlns:a14="http://schemas.microsoft.com/office/drawing/2010/main">
+          <mc:Choice Requires="a14">
             <p:sp>
               <p:nvSpPr>
                 <p:cNvPr id="403" name="TextBox 402">
@@ -13946,6 +13906,7 @@
                 </a:bodyPr>
                 <a:lstStyle/>
                 <a:p>
+                  <a:pPr/>
                   <a14:m>
                     <m:oMathPara xmlns:m="http://schemas.openxmlformats.org/officeDocument/2006/math">
                       <m:oMathParaPr>
@@ -13995,7 +13956,7 @@
               </p:txBody>
             </p:sp>
           </mc:Choice>
-          <mc:Fallback>
+          <mc:Fallback xmlns="">
             <p:sp>
               <p:nvSpPr>
                 <p:cNvPr id="403" name="TextBox 402">
@@ -14040,8 +14001,8 @@
             </p:sp>
           </mc:Fallback>
         </mc:AlternateContent>
-        <mc:AlternateContent xmlns:mc="http://schemas.openxmlformats.org/markup-compatibility/2006">
-          <mc:Choice xmlns:a14="http://schemas.microsoft.com/office/drawing/2010/main" Requires="a14">
+        <mc:AlternateContent xmlns:mc="http://schemas.openxmlformats.org/markup-compatibility/2006" xmlns:a14="http://schemas.microsoft.com/office/drawing/2010/main">
+          <mc:Choice Requires="a14">
             <p:sp>
               <p:nvSpPr>
                 <p:cNvPr id="404" name="TextBox 403">
@@ -14070,6 +14031,7 @@
                 </a:bodyPr>
                 <a:lstStyle/>
                 <a:p>
+                  <a:pPr/>
                   <a14:m>
                     <m:oMathPara xmlns:m="http://schemas.openxmlformats.org/officeDocument/2006/math">
                       <m:oMathParaPr>
@@ -14105,7 +14067,7 @@
               </p:txBody>
             </p:sp>
           </mc:Choice>
-          <mc:Fallback>
+          <mc:Fallback xmlns="">
             <p:sp>
               <p:nvSpPr>
                 <p:cNvPr id="404" name="TextBox 403">
@@ -14150,8 +14112,8 @@
             </p:sp>
           </mc:Fallback>
         </mc:AlternateContent>
-        <mc:AlternateContent xmlns:mc="http://schemas.openxmlformats.org/markup-compatibility/2006">
-          <mc:Choice xmlns:a14="http://schemas.microsoft.com/office/drawing/2010/main" Requires="a14">
+        <mc:AlternateContent xmlns:mc="http://schemas.openxmlformats.org/markup-compatibility/2006" xmlns:a14="http://schemas.microsoft.com/office/drawing/2010/main">
+          <mc:Choice Requires="a14">
             <p:sp>
               <p:nvSpPr>
                 <p:cNvPr id="405" name="TextBox 404">
@@ -14180,6 +14142,7 @@
                 </a:bodyPr>
                 <a:lstStyle/>
                 <a:p>
+                  <a:pPr/>
                   <a14:m>
                     <m:oMathPara xmlns:m="http://schemas.openxmlformats.org/officeDocument/2006/math">
                       <m:oMathParaPr>
@@ -14215,7 +14178,7 @@
               </p:txBody>
             </p:sp>
           </mc:Choice>
-          <mc:Fallback>
+          <mc:Fallback xmlns="">
             <p:sp>
               <p:nvSpPr>
                 <p:cNvPr id="405" name="TextBox 404">
@@ -14260,8 +14223,8 @@
             </p:sp>
           </mc:Fallback>
         </mc:AlternateContent>
-        <mc:AlternateContent xmlns:mc="http://schemas.openxmlformats.org/markup-compatibility/2006">
-          <mc:Choice xmlns:a14="http://schemas.microsoft.com/office/drawing/2010/main" Requires="a14">
+        <mc:AlternateContent xmlns:mc="http://schemas.openxmlformats.org/markup-compatibility/2006" xmlns:a14="http://schemas.microsoft.com/office/drawing/2010/main">
+          <mc:Choice Requires="a14">
             <p:sp>
               <p:nvSpPr>
                 <p:cNvPr id="406" name="TextBox 405">
@@ -14290,6 +14253,7 @@
                 </a:bodyPr>
                 <a:lstStyle/>
                 <a:p>
+                  <a:pPr/>
                   <a14:m>
                     <m:oMathPara xmlns:m="http://schemas.openxmlformats.org/officeDocument/2006/math">
                       <m:oMathParaPr>
@@ -14325,7 +14289,7 @@
               </p:txBody>
             </p:sp>
           </mc:Choice>
-          <mc:Fallback>
+          <mc:Fallback xmlns="">
             <p:sp>
               <p:nvSpPr>
                 <p:cNvPr id="406" name="TextBox 405">
@@ -28070,8 +28034,8 @@
             </p:sp>
           </p:grpSp>
         </p:grpSp>
-        <mc:AlternateContent xmlns:mc="http://schemas.openxmlformats.org/markup-compatibility/2006">
-          <mc:Choice xmlns:a14="http://schemas.microsoft.com/office/drawing/2010/main" Requires="a14">
+        <mc:AlternateContent xmlns:mc="http://schemas.openxmlformats.org/markup-compatibility/2006" xmlns:a14="http://schemas.microsoft.com/office/drawing/2010/main">
+          <mc:Choice Requires="a14">
             <p:sp>
               <p:nvSpPr>
                 <p:cNvPr id="397" name="TextBox 396">
@@ -28100,6 +28064,7 @@
                 </a:bodyPr>
                 <a:lstStyle/>
                 <a:p>
+                  <a:pPr/>
                   <a14:m>
                     <m:oMathPara xmlns:m="http://schemas.openxmlformats.org/officeDocument/2006/math">
                       <m:oMathParaPr>
@@ -28135,7 +28100,7 @@
               </p:txBody>
             </p:sp>
           </mc:Choice>
-          <mc:Fallback>
+          <mc:Fallback xmlns="">
             <p:sp>
               <p:nvSpPr>
                 <p:cNvPr id="397" name="TextBox 396">
@@ -28180,8 +28145,8 @@
             </p:sp>
           </mc:Fallback>
         </mc:AlternateContent>
-        <mc:AlternateContent xmlns:mc="http://schemas.openxmlformats.org/markup-compatibility/2006">
-          <mc:Choice xmlns:a14="http://schemas.microsoft.com/office/drawing/2010/main" Requires="a14">
+        <mc:AlternateContent xmlns:mc="http://schemas.openxmlformats.org/markup-compatibility/2006" xmlns:a14="http://schemas.microsoft.com/office/drawing/2010/main">
+          <mc:Choice Requires="a14">
             <p:sp>
               <p:nvSpPr>
                 <p:cNvPr id="398" name="TextBox 397">
@@ -28210,6 +28175,7 @@
                 </a:bodyPr>
                 <a:lstStyle/>
                 <a:p>
+                  <a:pPr/>
                   <a14:m>
                     <m:oMathPara xmlns:m="http://schemas.openxmlformats.org/officeDocument/2006/math">
                       <m:oMathParaPr>
@@ -28245,7 +28211,7 @@
               </p:txBody>
             </p:sp>
           </mc:Choice>
-          <mc:Fallback>
+          <mc:Fallback xmlns="">
             <p:sp>
               <p:nvSpPr>
                 <p:cNvPr id="398" name="TextBox 397">
@@ -28290,8 +28256,8 @@
             </p:sp>
           </mc:Fallback>
         </mc:AlternateContent>
-        <mc:AlternateContent xmlns:mc="http://schemas.openxmlformats.org/markup-compatibility/2006">
-          <mc:Choice xmlns:a14="http://schemas.microsoft.com/office/drawing/2010/main" Requires="a14">
+        <mc:AlternateContent xmlns:mc="http://schemas.openxmlformats.org/markup-compatibility/2006" xmlns:a14="http://schemas.microsoft.com/office/drawing/2010/main">
+          <mc:Choice Requires="a14">
             <p:sp>
               <p:nvSpPr>
                 <p:cNvPr id="399" name="TextBox 398">
@@ -28320,6 +28286,7 @@
                 </a:bodyPr>
                 <a:lstStyle/>
                 <a:p>
+                  <a:pPr/>
                   <a14:m>
                     <m:oMathPara xmlns:m="http://schemas.openxmlformats.org/officeDocument/2006/math">
                       <m:oMathParaPr>
@@ -28355,7 +28322,7 @@
               </p:txBody>
             </p:sp>
           </mc:Choice>
-          <mc:Fallback>
+          <mc:Fallback xmlns="">
             <p:sp>
               <p:nvSpPr>
                 <p:cNvPr id="399" name="TextBox 398">
@@ -28400,8 +28367,8 @@
             </p:sp>
           </mc:Fallback>
         </mc:AlternateContent>
-        <mc:AlternateContent xmlns:mc="http://schemas.openxmlformats.org/markup-compatibility/2006">
-          <mc:Choice xmlns:a14="http://schemas.microsoft.com/office/drawing/2010/main" Requires="a14">
+        <mc:AlternateContent xmlns:mc="http://schemas.openxmlformats.org/markup-compatibility/2006" xmlns:a14="http://schemas.microsoft.com/office/drawing/2010/main">
+          <mc:Choice Requires="a14">
             <p:sp>
               <p:nvSpPr>
                 <p:cNvPr id="400" name="TextBox 399">
@@ -28430,6 +28397,7 @@
                 </a:bodyPr>
                 <a:lstStyle/>
                 <a:p>
+                  <a:pPr/>
                   <a14:m>
                     <m:oMathPara xmlns:m="http://schemas.openxmlformats.org/officeDocument/2006/math">
                       <m:oMathParaPr>
@@ -28479,7 +28447,7 @@
               </p:txBody>
             </p:sp>
           </mc:Choice>
-          <mc:Fallback>
+          <mc:Fallback xmlns="">
             <p:sp>
               <p:nvSpPr>
                 <p:cNvPr id="400" name="TextBox 399">
@@ -28524,8 +28492,8 @@
             </p:sp>
           </mc:Fallback>
         </mc:AlternateContent>
-        <mc:AlternateContent xmlns:mc="http://schemas.openxmlformats.org/markup-compatibility/2006">
-          <mc:Choice xmlns:a14="http://schemas.microsoft.com/office/drawing/2010/main" Requires="a14">
+        <mc:AlternateContent xmlns:mc="http://schemas.openxmlformats.org/markup-compatibility/2006" xmlns:a14="http://schemas.microsoft.com/office/drawing/2010/main">
+          <mc:Choice Requires="a14">
             <p:sp>
               <p:nvSpPr>
                 <p:cNvPr id="403" name="TextBox 402">
@@ -28554,6 +28522,7 @@
                 </a:bodyPr>
                 <a:lstStyle/>
                 <a:p>
+                  <a:pPr/>
                   <a14:m>
                     <m:oMathPara xmlns:m="http://schemas.openxmlformats.org/officeDocument/2006/math">
                       <m:oMathParaPr>
@@ -28603,7 +28572,7 @@
               </p:txBody>
             </p:sp>
           </mc:Choice>
-          <mc:Fallback>
+          <mc:Fallback xmlns="">
             <p:sp>
               <p:nvSpPr>
                 <p:cNvPr id="403" name="TextBox 402">
@@ -28648,8 +28617,8 @@
             </p:sp>
           </mc:Fallback>
         </mc:AlternateContent>
-        <mc:AlternateContent xmlns:mc="http://schemas.openxmlformats.org/markup-compatibility/2006">
-          <mc:Choice xmlns:a14="http://schemas.microsoft.com/office/drawing/2010/main" Requires="a14">
+        <mc:AlternateContent xmlns:mc="http://schemas.openxmlformats.org/markup-compatibility/2006" xmlns:a14="http://schemas.microsoft.com/office/drawing/2010/main">
+          <mc:Choice Requires="a14">
             <p:sp>
               <p:nvSpPr>
                 <p:cNvPr id="404" name="TextBox 403">
@@ -28678,6 +28647,7 @@
                 </a:bodyPr>
                 <a:lstStyle/>
                 <a:p>
+                  <a:pPr/>
                   <a14:m>
                     <m:oMathPara xmlns:m="http://schemas.openxmlformats.org/officeDocument/2006/math">
                       <m:oMathParaPr>
@@ -28713,7 +28683,7 @@
               </p:txBody>
             </p:sp>
           </mc:Choice>
-          <mc:Fallback>
+          <mc:Fallback xmlns="">
             <p:sp>
               <p:nvSpPr>
                 <p:cNvPr id="404" name="TextBox 403">
@@ -28758,8 +28728,8 @@
             </p:sp>
           </mc:Fallback>
         </mc:AlternateContent>
-        <mc:AlternateContent xmlns:mc="http://schemas.openxmlformats.org/markup-compatibility/2006">
-          <mc:Choice xmlns:a14="http://schemas.microsoft.com/office/drawing/2010/main" Requires="a14">
+        <mc:AlternateContent xmlns:mc="http://schemas.openxmlformats.org/markup-compatibility/2006" xmlns:a14="http://schemas.microsoft.com/office/drawing/2010/main">
+          <mc:Choice Requires="a14">
             <p:sp>
               <p:nvSpPr>
                 <p:cNvPr id="405" name="TextBox 404">
@@ -28788,6 +28758,7 @@
                 </a:bodyPr>
                 <a:lstStyle/>
                 <a:p>
+                  <a:pPr/>
                   <a14:m>
                     <m:oMathPara xmlns:m="http://schemas.openxmlformats.org/officeDocument/2006/math">
                       <m:oMathParaPr>
@@ -28823,7 +28794,7 @@
               </p:txBody>
             </p:sp>
           </mc:Choice>
-          <mc:Fallback>
+          <mc:Fallback xmlns="">
             <p:sp>
               <p:nvSpPr>
                 <p:cNvPr id="405" name="TextBox 404">
@@ -28868,8 +28839,8 @@
             </p:sp>
           </mc:Fallback>
         </mc:AlternateContent>
-        <mc:AlternateContent xmlns:mc="http://schemas.openxmlformats.org/markup-compatibility/2006">
-          <mc:Choice xmlns:a14="http://schemas.microsoft.com/office/drawing/2010/main" Requires="a14">
+        <mc:AlternateContent xmlns:mc="http://schemas.openxmlformats.org/markup-compatibility/2006" xmlns:a14="http://schemas.microsoft.com/office/drawing/2010/main">
+          <mc:Choice Requires="a14">
             <p:sp>
               <p:nvSpPr>
                 <p:cNvPr id="406" name="TextBox 405">
@@ -28898,6 +28869,7 @@
                 </a:bodyPr>
                 <a:lstStyle/>
                 <a:p>
+                  <a:pPr/>
                   <a14:m>
                     <m:oMathPara xmlns:m="http://schemas.openxmlformats.org/officeDocument/2006/math">
                       <m:oMathParaPr>
@@ -28933,7 +28905,7 @@
               </p:txBody>
             </p:sp>
           </mc:Choice>
-          <mc:Fallback>
+          <mc:Fallback xmlns="">
             <p:sp>
               <p:nvSpPr>
                 <p:cNvPr id="406" name="TextBox 405">
